--- a/СПИСОК/Разработка алгоритмов для упорядочивания структур белков.pptx
+++ b/СПИСОК/Разработка алгоритмов для упорядочивания структур белков.pptx
@@ -5,7 +5,7 @@
     <p:sldMasterId id="2147483684" r:id="rId1"/>
   </p:sldMasterIdLst>
   <p:notesMasterIdLst>
-    <p:notesMasterId r:id="rId12"/>
+    <p:notesMasterId r:id="rId14"/>
   </p:notesMasterIdLst>
   <p:sldIdLst>
     <p:sldId id="256" r:id="rId2"/>
@@ -18,6 +18,8 @@
     <p:sldId id="262" r:id="rId9"/>
     <p:sldId id="264" r:id="rId10"/>
     <p:sldId id="265" r:id="rId11"/>
+    <p:sldId id="266" r:id="rId12"/>
+    <p:sldId id="267" r:id="rId13"/>
   </p:sldIdLst>
   <p:sldSz cx="9144000" cy="6858000" type="screen4x3"/>
   <p:notesSz cx="6858000" cy="9144000"/>
@@ -201,6 +203,7 @@
           <a:p>
             <a:fld id="{74CF1ED2-2609-4051-9DAA-BC42B47FCE0B}" type="datetimeFigureOut">
               <a:rPr lang="ru-RU" smtClean="0"/>
+              <a:pPr/>
               <a:t>25.04.2013</a:t>
             </a:fld>
             <a:endParaRPr lang="ru-RU"/>
@@ -362,6 +365,7 @@
           <a:p>
             <a:fld id="{B954A528-2BE3-4D60-B594-3F708030B941}" type="slidenum">
               <a:rPr lang="ru-RU" smtClean="0"/>
+              <a:pPr/>
               <a:t>‹#›</a:t>
             </a:fld>
             <a:endParaRPr lang="ru-RU"/>
@@ -533,7 +537,90 @@
           <a:p>
             <a:fld id="{B954A528-2BE3-4D60-B594-3F708030B941}" type="slidenum">
               <a:rPr lang="ru-RU" smtClean="0"/>
+              <a:pPr/>
               <a:t>1</a:t>
+            </a:fld>
+            <a:endParaRPr lang="ru-RU"/>
+          </a:p>
+        </p:txBody>
+      </p:sp>
+    </p:spTree>
+  </p:cSld>
+  <p:clrMapOvr>
+    <a:masterClrMapping/>
+  </p:clrMapOvr>
+</p:notes>
+</file>
+
+<file path=ppt/notesSlides/notesSlide2.xml><?xml version="1.0" encoding="utf-8"?>
+<p:notes xmlns:a="http://schemas.openxmlformats.org/drawingml/2006/main" xmlns:r="http://schemas.openxmlformats.org/officeDocument/2006/relationships" xmlns:p="http://schemas.openxmlformats.org/presentationml/2006/main">
+  <p:cSld>
+    <p:spTree>
+      <p:nvGrpSpPr>
+        <p:cNvPr id="1" name=""/>
+        <p:cNvGrpSpPr/>
+        <p:nvPr/>
+      </p:nvGrpSpPr>
+      <p:grpSpPr>
+        <a:xfrm>
+          <a:off x="0" y="0"/>
+          <a:ext cx="0" cy="0"/>
+          <a:chOff x="0" y="0"/>
+          <a:chExt cx="0" cy="0"/>
+        </a:xfrm>
+      </p:grpSpPr>
+      <p:sp>
+        <p:nvSpPr>
+          <p:cNvPr id="2" name="Образ слайда 1"/>
+          <p:cNvSpPr>
+            <a:spLocks noGrp="1" noRot="1" noChangeAspect="1"/>
+          </p:cNvSpPr>
+          <p:nvPr>
+            <p:ph type="sldImg"/>
+          </p:nvPr>
+        </p:nvSpPr>
+        <p:spPr/>
+      </p:sp>
+      <p:sp>
+        <p:nvSpPr>
+          <p:cNvPr id="3" name="Заметки 2"/>
+          <p:cNvSpPr>
+            <a:spLocks noGrp="1"/>
+          </p:cNvSpPr>
+          <p:nvPr>
+            <p:ph type="body" idx="1"/>
+          </p:nvPr>
+        </p:nvSpPr>
+        <p:spPr/>
+        <p:txBody>
+          <a:bodyPr>
+            <a:normAutofit/>
+          </a:bodyPr>
+          <a:lstStyle/>
+          <a:p>
+            <a:endParaRPr lang="ru-RU"/>
+          </a:p>
+        </p:txBody>
+      </p:sp>
+      <p:sp>
+        <p:nvSpPr>
+          <p:cNvPr id="4" name="Номер слайда 3"/>
+          <p:cNvSpPr>
+            <a:spLocks noGrp="1"/>
+          </p:cNvSpPr>
+          <p:nvPr>
+            <p:ph type="sldNum" sz="quarter" idx="10"/>
+          </p:nvPr>
+        </p:nvSpPr>
+        <p:spPr/>
+        <p:txBody>
+          <a:bodyPr/>
+          <a:lstStyle/>
+          <a:p>
+            <a:fld id="{B954A528-2BE3-4D60-B594-3F708030B941}" type="slidenum">
+              <a:rPr lang="ru-RU" smtClean="0"/>
+              <a:pPr/>
+              <a:t>11</a:t>
             </a:fld>
             <a:endParaRPr lang="ru-RU"/>
           </a:p>
@@ -728,6 +815,7 @@
           <a:p>
             <a:fld id="{8F788398-3B2A-46F3-8F49-B8297B577F89}" type="datetime1">
               <a:rPr lang="ru-RU" smtClean="0"/>
+              <a:pPr/>
               <a:t>25.04.2013</a:t>
             </a:fld>
             <a:endParaRPr lang="ru-RU"/>
@@ -774,6 +862,7 @@
           <a:p>
             <a:fld id="{8BA6683A-CE0B-4A88-9F79-2919B228CA36}" type="slidenum">
               <a:rPr lang="ru-RU" smtClean="0"/>
+              <a:pPr/>
               <a:t>‹#›</a:t>
             </a:fld>
             <a:endParaRPr lang="ru-RU"/>
@@ -897,6 +986,7 @@
           <a:p>
             <a:fld id="{62BB71C9-4A82-480A-BA8E-1DA5219AC98A}" type="datetime1">
               <a:rPr lang="ru-RU" smtClean="0"/>
+              <a:pPr/>
               <a:t>25.04.2013</a:t>
             </a:fld>
             <a:endParaRPr lang="ru-RU"/>
@@ -943,6 +1033,7 @@
           <a:p>
             <a:fld id="{8BA6683A-CE0B-4A88-9F79-2919B228CA36}" type="slidenum">
               <a:rPr lang="ru-RU" smtClean="0"/>
+              <a:pPr/>
               <a:t>‹#›</a:t>
             </a:fld>
             <a:endParaRPr lang="ru-RU"/>
@@ -1076,6 +1167,7 @@
           <a:p>
             <a:fld id="{93DFAEF0-37BB-4A2E-A1DC-707FA632FF7D}" type="datetime1">
               <a:rPr lang="ru-RU" smtClean="0"/>
+              <a:pPr/>
               <a:t>25.04.2013</a:t>
             </a:fld>
             <a:endParaRPr lang="ru-RU"/>
@@ -1122,6 +1214,7 @@
           <a:p>
             <a:fld id="{8BA6683A-CE0B-4A88-9F79-2919B228CA36}" type="slidenum">
               <a:rPr lang="ru-RU" smtClean="0"/>
+              <a:pPr/>
               <a:t>‹#›</a:t>
             </a:fld>
             <a:endParaRPr lang="ru-RU"/>
@@ -1245,6 +1338,7 @@
           <a:p>
             <a:fld id="{BD9F2821-1254-44BE-BDB9-08AB2912159E}" type="datetime1">
               <a:rPr lang="ru-RU" smtClean="0"/>
+              <a:pPr/>
               <a:t>25.04.2013</a:t>
             </a:fld>
             <a:endParaRPr lang="ru-RU"/>
@@ -1291,6 +1385,7 @@
           <a:p>
             <a:fld id="{8BA6683A-CE0B-4A88-9F79-2919B228CA36}" type="slidenum">
               <a:rPr lang="ru-RU" smtClean="0"/>
+              <a:pPr/>
               <a:t>‹#›</a:t>
             </a:fld>
             <a:endParaRPr lang="ru-RU"/>
@@ -1490,6 +1585,7 @@
           <a:p>
             <a:fld id="{9525E220-A28E-4F5E-ACF9-0A82F927EBF4}" type="datetime1">
               <a:rPr lang="ru-RU" smtClean="0"/>
+              <a:pPr/>
               <a:t>25.04.2013</a:t>
             </a:fld>
             <a:endParaRPr lang="ru-RU"/>
@@ -1536,6 +1632,7 @@
           <a:p>
             <a:fld id="{8BA6683A-CE0B-4A88-9F79-2919B228CA36}" type="slidenum">
               <a:rPr lang="ru-RU" smtClean="0"/>
+              <a:pPr/>
               <a:t>‹#›</a:t>
             </a:fld>
             <a:endParaRPr lang="ru-RU"/>
@@ -1777,6 +1874,7 @@
           <a:p>
             <a:fld id="{2C435B60-E525-43CC-A7C9-9067DF39F2E0}" type="datetime1">
               <a:rPr lang="ru-RU" smtClean="0"/>
+              <a:pPr/>
               <a:t>25.04.2013</a:t>
             </a:fld>
             <a:endParaRPr lang="ru-RU"/>
@@ -1823,6 +1921,7 @@
           <a:p>
             <a:fld id="{8BA6683A-CE0B-4A88-9F79-2919B228CA36}" type="slidenum">
               <a:rPr lang="ru-RU" smtClean="0"/>
+              <a:pPr/>
               <a:t>‹#›</a:t>
             </a:fld>
             <a:endParaRPr lang="ru-RU"/>
@@ -2198,6 +2297,7 @@
           <a:p>
             <a:fld id="{2FEAA5CA-C2C7-4D09-ADB8-ED83DC16A534}" type="datetime1">
               <a:rPr lang="ru-RU" smtClean="0"/>
+              <a:pPr/>
               <a:t>25.04.2013</a:t>
             </a:fld>
             <a:endParaRPr lang="ru-RU"/>
@@ -2244,6 +2344,7 @@
           <a:p>
             <a:fld id="{8BA6683A-CE0B-4A88-9F79-2919B228CA36}" type="slidenum">
               <a:rPr lang="ru-RU" smtClean="0"/>
+              <a:pPr/>
               <a:t>‹#›</a:t>
             </a:fld>
             <a:endParaRPr lang="ru-RU"/>
@@ -2315,6 +2416,7 @@
           <a:p>
             <a:fld id="{C8FE7B6E-E381-455F-9472-449FA0ACFE41}" type="datetime1">
               <a:rPr lang="ru-RU" smtClean="0"/>
+              <a:pPr/>
               <a:t>25.04.2013</a:t>
             </a:fld>
             <a:endParaRPr lang="ru-RU"/>
@@ -2361,6 +2463,7 @@
           <a:p>
             <a:fld id="{8BA6683A-CE0B-4A88-9F79-2919B228CA36}" type="slidenum">
               <a:rPr lang="ru-RU" smtClean="0"/>
+              <a:pPr/>
               <a:t>‹#›</a:t>
             </a:fld>
             <a:endParaRPr lang="ru-RU"/>
@@ -2409,6 +2512,7 @@
           <a:p>
             <a:fld id="{1F0C7B5E-258E-495A-93CD-31052A62263D}" type="datetime1">
               <a:rPr lang="ru-RU" smtClean="0"/>
+              <a:pPr/>
               <a:t>25.04.2013</a:t>
             </a:fld>
             <a:endParaRPr lang="ru-RU"/>
@@ -2455,6 +2559,7 @@
           <a:p>
             <a:fld id="{8BA6683A-CE0B-4A88-9F79-2919B228CA36}" type="slidenum">
               <a:rPr lang="ru-RU" smtClean="0"/>
+              <a:pPr/>
               <a:t>‹#›</a:t>
             </a:fld>
             <a:endParaRPr lang="ru-RU"/>
@@ -2685,6 +2790,7 @@
           <a:p>
             <a:fld id="{4EFE1811-CA54-4008-A9DB-934478F24309}" type="datetime1">
               <a:rPr lang="ru-RU" smtClean="0"/>
+              <a:pPr/>
               <a:t>25.04.2013</a:t>
             </a:fld>
             <a:endParaRPr lang="ru-RU"/>
@@ -2731,6 +2837,7 @@
           <a:p>
             <a:fld id="{8BA6683A-CE0B-4A88-9F79-2919B228CA36}" type="slidenum">
               <a:rPr lang="ru-RU" smtClean="0"/>
+              <a:pPr/>
               <a:t>‹#›</a:t>
             </a:fld>
             <a:endParaRPr lang="ru-RU"/>
@@ -2937,6 +3044,7 @@
           <a:p>
             <a:fld id="{5131D879-0BF4-480B-9F24-5013D8A80E59}" type="datetime1">
               <a:rPr lang="ru-RU" smtClean="0"/>
+              <a:pPr/>
               <a:t>25.04.2013</a:t>
             </a:fld>
             <a:endParaRPr lang="ru-RU"/>
@@ -2983,6 +3091,7 @@
           <a:p>
             <a:fld id="{8BA6683A-CE0B-4A88-9F79-2919B228CA36}" type="slidenum">
               <a:rPr lang="ru-RU" smtClean="0"/>
+              <a:pPr/>
               <a:t>‹#›</a:t>
             </a:fld>
             <a:endParaRPr lang="ru-RU"/>
@@ -3149,6 +3258,7 @@
           <a:p>
             <a:fld id="{696C6B46-5051-4343-8517-D8131A5A293D}" type="datetime1">
               <a:rPr lang="ru-RU" smtClean="0"/>
+              <a:pPr/>
               <a:t>25.04.2013</a:t>
             </a:fld>
             <a:endParaRPr lang="ru-RU"/>
@@ -3231,6 +3341,7 @@
           <a:p>
             <a:fld id="{8BA6683A-CE0B-4A88-9F79-2919B228CA36}" type="slidenum">
               <a:rPr lang="ru-RU" smtClean="0"/>
+              <a:pPr/>
               <a:t>‹#›</a:t>
             </a:fld>
             <a:endParaRPr lang="ru-RU"/>
@@ -3723,6 +3834,7 @@
           <a:p>
             <a:fld id="{BD9F2821-1254-44BE-BDB9-08AB2912159E}" type="datetime1">
               <a:rPr lang="ru-RU" smtClean="0"/>
+              <a:pPr/>
               <a:t>25.04.2013</a:t>
             </a:fld>
             <a:endParaRPr lang="ru-RU"/>
@@ -3769,6 +3881,7 @@
           <a:p>
             <a:fld id="{8BA6683A-CE0B-4A88-9F79-2919B228CA36}" type="slidenum">
               <a:rPr lang="ru-RU" smtClean="0"/>
+              <a:pPr/>
               <a:t>10</a:t>
             </a:fld>
             <a:endParaRPr lang="ru-RU"/>
@@ -4031,6 +4144,403 @@
           </a:p>
           <a:p>
             <a:endParaRPr lang="ru-RU" dirty="0"/>
+          </a:p>
+        </p:txBody>
+      </p:sp>
+    </p:spTree>
+  </p:cSld>
+  <p:clrMapOvr>
+    <a:masterClrMapping/>
+  </p:clrMapOvr>
+</p:sld>
+</file>
+
+<file path=ppt/slides/slide11.xml><?xml version="1.0" encoding="utf-8"?>
+<p:sld xmlns:a="http://schemas.openxmlformats.org/drawingml/2006/main" xmlns:r="http://schemas.openxmlformats.org/officeDocument/2006/relationships" xmlns:p="http://schemas.openxmlformats.org/presentationml/2006/main">
+  <p:cSld>
+    <p:spTree>
+      <p:nvGrpSpPr>
+        <p:cNvPr id="1" name=""/>
+        <p:cNvGrpSpPr/>
+        <p:nvPr/>
+      </p:nvGrpSpPr>
+      <p:grpSpPr>
+        <a:xfrm>
+          <a:off x="0" y="0"/>
+          <a:ext cx="0" cy="0"/>
+          <a:chOff x="0" y="0"/>
+          <a:chExt cx="0" cy="0"/>
+        </a:xfrm>
+      </p:grpSpPr>
+      <p:sp>
+        <p:nvSpPr>
+          <p:cNvPr id="2" name="Заголовок 1"/>
+          <p:cNvSpPr>
+            <a:spLocks noGrp="1"/>
+          </p:cNvSpPr>
+          <p:nvPr>
+            <p:ph type="title"/>
+          </p:nvPr>
+        </p:nvSpPr>
+        <p:spPr/>
+        <p:txBody>
+          <a:bodyPr/>
+          <a:lstStyle/>
+          <a:p>
+            <a:r>
+              <a:rPr lang="ru-RU" dirty="0" smtClean="0"/>
+              <a:t>Результаты</a:t>
+            </a:r>
+            <a:endParaRPr lang="ru-RU" dirty="0"/>
+          </a:p>
+        </p:txBody>
+      </p:sp>
+      <p:sp>
+        <p:nvSpPr>
+          <p:cNvPr id="4" name="Дата 3"/>
+          <p:cNvSpPr>
+            <a:spLocks noGrp="1"/>
+          </p:cNvSpPr>
+          <p:nvPr>
+            <p:ph type="dt" sz="half" idx="10"/>
+          </p:nvPr>
+        </p:nvSpPr>
+        <p:spPr/>
+        <p:txBody>
+          <a:bodyPr/>
+          <a:lstStyle/>
+          <a:p>
+            <a:fld id="{BD9F2821-1254-44BE-BDB9-08AB2912159E}" type="datetime1">
+              <a:rPr lang="ru-RU" smtClean="0"/>
+              <a:pPr/>
+              <a:t>25.04.2013</a:t>
+            </a:fld>
+            <a:endParaRPr lang="ru-RU"/>
+          </a:p>
+        </p:txBody>
+      </p:sp>
+      <p:sp>
+        <p:nvSpPr>
+          <p:cNvPr id="5" name="Нижний колонтитул 4"/>
+          <p:cNvSpPr>
+            <a:spLocks noGrp="1"/>
+          </p:cNvSpPr>
+          <p:nvPr>
+            <p:ph type="ftr" sz="quarter" idx="11"/>
+          </p:nvPr>
+        </p:nvSpPr>
+        <p:spPr/>
+        <p:txBody>
+          <a:bodyPr/>
+          <a:lstStyle/>
+          <a:p>
+            <a:r>
+              <a:rPr lang="ru-RU" smtClean="0"/>
+              <a:t>СПИСОК-2013</a:t>
+            </a:r>
+            <a:endParaRPr lang="ru-RU"/>
+          </a:p>
+        </p:txBody>
+      </p:sp>
+      <p:sp>
+        <p:nvSpPr>
+          <p:cNvPr id="6" name="Номер слайда 5"/>
+          <p:cNvSpPr>
+            <a:spLocks noGrp="1"/>
+          </p:cNvSpPr>
+          <p:nvPr>
+            <p:ph type="sldNum" sz="quarter" idx="12"/>
+          </p:nvPr>
+        </p:nvSpPr>
+        <p:spPr/>
+        <p:txBody>
+          <a:bodyPr/>
+          <a:lstStyle/>
+          <a:p>
+            <a:fld id="{8BA6683A-CE0B-4A88-9F79-2919B228CA36}" type="slidenum">
+              <a:rPr lang="ru-RU" smtClean="0"/>
+              <a:pPr/>
+              <a:t>11</a:t>
+            </a:fld>
+            <a:endParaRPr lang="ru-RU"/>
+          </a:p>
+        </p:txBody>
+      </p:sp>
+      <p:sp>
+        <p:nvSpPr>
+          <p:cNvPr id="7" name="TextBox 6"/>
+          <p:cNvSpPr txBox="1"/>
+          <p:nvPr/>
+        </p:nvSpPr>
+        <p:spPr>
+          <a:xfrm>
+            <a:off x="762000" y="1447800"/>
+            <a:ext cx="7620000" cy="2831544"/>
+          </a:xfrm>
+          <a:prstGeom prst="rect">
+            <a:avLst/>
+          </a:prstGeom>
+          <a:noFill/>
+        </p:spPr>
+        <p:txBody>
+          <a:bodyPr wrap="square" rtlCol="0">
+            <a:spAutoFit/>
+          </a:bodyPr>
+          <a:lstStyle/>
+          <a:p>
+            <a:r>
+              <a:rPr lang="ru-RU" sz="3200" dirty="0" smtClean="0"/>
+              <a:t>Был построен граф </a:t>
+            </a:r>
+            <a:r>
+              <a:rPr lang="ru-RU" sz="3200" dirty="0" smtClean="0"/>
+              <a:t>возможных траекторий </a:t>
+            </a:r>
+            <a:r>
+              <a:rPr lang="ru-RU" sz="3200" dirty="0" smtClean="0"/>
+              <a:t>движений белка для </a:t>
+            </a:r>
+            <a:r>
+              <a:rPr lang="ru-RU" sz="3200" dirty="0" smtClean="0"/>
+              <a:t>пар базовых </a:t>
+            </a:r>
+            <a:r>
+              <a:rPr lang="ru-RU" sz="3200" dirty="0" err="1" smtClean="0"/>
+              <a:t>конформаций</a:t>
+            </a:r>
+            <a:r>
+              <a:rPr lang="ru-RU" sz="3200" dirty="0" smtClean="0"/>
+              <a:t>. На основании этого графа можно делать выводы о реальной траектории движения белка</a:t>
+            </a:r>
+            <a:endParaRPr lang="ru-RU" sz="3200" dirty="0" smtClean="0"/>
+          </a:p>
+          <a:p>
+            <a:endParaRPr lang="ru-RU" dirty="0"/>
+          </a:p>
+        </p:txBody>
+      </p:sp>
+    </p:spTree>
+  </p:cSld>
+  <p:clrMapOvr>
+    <a:masterClrMapping/>
+  </p:clrMapOvr>
+</p:sld>
+</file>
+
+<file path=ppt/slides/slide12.xml><?xml version="1.0" encoding="utf-8"?>
+<p:sld xmlns:a="http://schemas.openxmlformats.org/drawingml/2006/main" xmlns:r="http://schemas.openxmlformats.org/officeDocument/2006/relationships" xmlns:p="http://schemas.openxmlformats.org/presentationml/2006/main">
+  <p:cSld>
+    <p:spTree>
+      <p:nvGrpSpPr>
+        <p:cNvPr id="1" name=""/>
+        <p:cNvGrpSpPr/>
+        <p:nvPr/>
+      </p:nvGrpSpPr>
+      <p:grpSpPr>
+        <a:xfrm>
+          <a:off x="0" y="0"/>
+          <a:ext cx="0" cy="0"/>
+          <a:chOff x="0" y="0"/>
+          <a:chExt cx="0" cy="0"/>
+        </a:xfrm>
+      </p:grpSpPr>
+      <p:sp>
+        <p:nvSpPr>
+          <p:cNvPr id="2" name="Заголовок 1"/>
+          <p:cNvSpPr>
+            <a:spLocks noGrp="1"/>
+          </p:cNvSpPr>
+          <p:nvPr>
+            <p:ph type="title"/>
+          </p:nvPr>
+        </p:nvSpPr>
+        <p:spPr/>
+        <p:txBody>
+          <a:bodyPr/>
+          <a:lstStyle/>
+          <a:p>
+            <a:r>
+              <a:rPr lang="ru-RU" dirty="0" smtClean="0"/>
+              <a:t>Литература и ссылки</a:t>
+            </a:r>
+            <a:endParaRPr lang="ru-RU" dirty="0"/>
+          </a:p>
+        </p:txBody>
+      </p:sp>
+      <p:sp>
+        <p:nvSpPr>
+          <p:cNvPr id="3" name="Содержимое 2"/>
+          <p:cNvSpPr>
+            <a:spLocks noGrp="1"/>
+          </p:cNvSpPr>
+          <p:nvPr>
+            <p:ph idx="1"/>
+          </p:nvPr>
+        </p:nvSpPr>
+        <p:spPr/>
+        <p:txBody>
+          <a:bodyPr>
+            <a:normAutofit fontScale="92500" lnSpcReduction="20000"/>
+          </a:bodyPr>
+          <a:lstStyle/>
+          <a:p>
+            <a:pPr lvl="0"/>
+            <a:r>
+              <a:rPr lang="en-US" dirty="0" smtClean="0"/>
+              <a:t>RCSB Protein Data Bank </a:t>
+            </a:r>
+            <a:r>
+              <a:rPr lang="ru-RU" u="sng" dirty="0" smtClean="0">
+                <a:hlinkClick r:id="rId2"/>
+              </a:rPr>
+              <a:t>http://www.rcsb.org</a:t>
+            </a:r>
+            <a:r>
+              <a:rPr lang="en-US" dirty="0" smtClean="0"/>
+              <a:t> </a:t>
+            </a:r>
+            <a:endParaRPr lang="ru-RU" dirty="0" smtClean="0"/>
+          </a:p>
+          <a:p>
+            <a:pPr lvl="0"/>
+            <a:r>
+              <a:rPr lang="en-US" dirty="0" err="1" smtClean="0"/>
+              <a:t>Krass</a:t>
+            </a:r>
+            <a:r>
+              <a:rPr lang="en-US" dirty="0" smtClean="0"/>
+              <a:t> A., </a:t>
+            </a:r>
+            <a:r>
+              <a:rPr lang="en-US" dirty="0" err="1" smtClean="0"/>
+              <a:t>Nikolenko</a:t>
+            </a:r>
+            <a:r>
+              <a:rPr lang="en-US" dirty="0" smtClean="0"/>
+              <a:t> S., </a:t>
+            </a:r>
+            <a:r>
+              <a:rPr lang="en-US" dirty="0" err="1" smtClean="0"/>
+              <a:t>Stepanov</a:t>
+            </a:r>
+            <a:r>
+              <a:rPr lang="en-US" dirty="0" smtClean="0"/>
+              <a:t> E. and </a:t>
+            </a:r>
+            <a:r>
+              <a:rPr lang="en-US" dirty="0" err="1" smtClean="0"/>
+              <a:t>Porozov</a:t>
+            </a:r>
+            <a:r>
+              <a:rPr lang="en-US" dirty="0" smtClean="0"/>
+              <a:t> Yu. Modeling of Protein Conformational   Movements  Based  on  Principle of Average Action. ISCB-ECCB 2011, Vienna, 2011, July 15-19.</a:t>
+            </a:r>
+            <a:endParaRPr lang="ru-RU" dirty="0" smtClean="0"/>
+          </a:p>
+          <a:p>
+            <a:pPr lvl="0"/>
+            <a:r>
+              <a:rPr lang="ru-RU" dirty="0" smtClean="0"/>
+              <a:t>Порозов Ю.Б. Моделирование </a:t>
+            </a:r>
+            <a:r>
+              <a:rPr lang="ru-RU" dirty="0" err="1" smtClean="0"/>
+              <a:t>конформационной</a:t>
+            </a:r>
+            <a:r>
+              <a:rPr lang="ru-RU" dirty="0" smtClean="0"/>
+              <a:t> подвижности белков </a:t>
+            </a:r>
+            <a:r>
+              <a:rPr lang="en-US" dirty="0" smtClean="0"/>
+              <a:t>XIX</a:t>
+            </a:r>
+            <a:r>
+              <a:rPr lang="ru-RU" dirty="0" smtClean="0"/>
+              <a:t> Национальный конгресс «Человек и Лекарство 2012». Симпозиум «</a:t>
+            </a:r>
+            <a:r>
+              <a:rPr lang="ru-RU" dirty="0" err="1" smtClean="0"/>
+              <a:t>Биоинформатика</a:t>
+            </a:r>
+            <a:r>
+              <a:rPr lang="ru-RU" dirty="0" smtClean="0"/>
+              <a:t> и компьютерное конструирование лекарств». Москва, 23-27 апреля 2012.</a:t>
+            </a:r>
+          </a:p>
+          <a:p>
+            <a:endParaRPr lang="ru-RU" dirty="0"/>
+          </a:p>
+        </p:txBody>
+      </p:sp>
+      <p:sp>
+        <p:nvSpPr>
+          <p:cNvPr id="4" name="Дата 3"/>
+          <p:cNvSpPr>
+            <a:spLocks noGrp="1"/>
+          </p:cNvSpPr>
+          <p:nvPr>
+            <p:ph type="dt" sz="half" idx="10"/>
+          </p:nvPr>
+        </p:nvSpPr>
+        <p:spPr/>
+        <p:txBody>
+          <a:bodyPr/>
+          <a:lstStyle/>
+          <a:p>
+            <a:fld id="{BD9F2821-1254-44BE-BDB9-08AB2912159E}" type="datetime1">
+              <a:rPr lang="ru-RU" smtClean="0"/>
+              <a:pPr/>
+              <a:t>25.04.2013</a:t>
+            </a:fld>
+            <a:endParaRPr lang="ru-RU"/>
+          </a:p>
+        </p:txBody>
+      </p:sp>
+      <p:sp>
+        <p:nvSpPr>
+          <p:cNvPr id="5" name="Нижний колонтитул 4"/>
+          <p:cNvSpPr>
+            <a:spLocks noGrp="1"/>
+          </p:cNvSpPr>
+          <p:nvPr>
+            <p:ph type="ftr" sz="quarter" idx="11"/>
+          </p:nvPr>
+        </p:nvSpPr>
+        <p:spPr/>
+        <p:txBody>
+          <a:bodyPr/>
+          <a:lstStyle/>
+          <a:p>
+            <a:r>
+              <a:rPr lang="ru-RU" smtClean="0"/>
+              <a:t>СПИСОК-2013</a:t>
+            </a:r>
+            <a:endParaRPr lang="ru-RU"/>
+          </a:p>
+        </p:txBody>
+      </p:sp>
+      <p:sp>
+        <p:nvSpPr>
+          <p:cNvPr id="6" name="Номер слайда 5"/>
+          <p:cNvSpPr>
+            <a:spLocks noGrp="1"/>
+          </p:cNvSpPr>
+          <p:nvPr>
+            <p:ph type="sldNum" sz="quarter" idx="12"/>
+          </p:nvPr>
+        </p:nvSpPr>
+        <p:spPr/>
+        <p:txBody>
+          <a:bodyPr/>
+          <a:lstStyle/>
+          <a:p>
+            <a:fld id="{8BA6683A-CE0B-4A88-9F79-2919B228CA36}" type="slidenum">
+              <a:rPr lang="ru-RU" smtClean="0"/>
+              <a:pPr/>
+              <a:t>12</a:t>
+            </a:fld>
+            <a:endParaRPr lang="ru-RU"/>
           </a:p>
         </p:txBody>
       </p:sp>
@@ -4147,6 +4657,7 @@
           <a:p>
             <a:fld id="{BD9F2821-1254-44BE-BDB9-08AB2912159E}" type="datetime1">
               <a:rPr lang="ru-RU" smtClean="0"/>
+              <a:pPr/>
               <a:t>25.04.2013</a:t>
             </a:fld>
             <a:endParaRPr lang="ru-RU" dirty="0"/>
@@ -4193,6 +4704,7 @@
           <a:p>
             <a:fld id="{8BA6683A-CE0B-4A88-9F79-2919B228CA36}" type="slidenum">
               <a:rPr lang="ru-RU" smtClean="0"/>
+              <a:pPr/>
               <a:t>2</a:t>
             </a:fld>
             <a:endParaRPr lang="ru-RU"/>
@@ -4356,6 +4868,7 @@
           <a:p>
             <a:fld id="{BD9F2821-1254-44BE-BDB9-08AB2912159E}" type="datetime1">
               <a:rPr lang="ru-RU" smtClean="0"/>
+              <a:pPr/>
               <a:t>25.04.2013</a:t>
             </a:fld>
             <a:endParaRPr lang="ru-RU" dirty="0"/>
@@ -4402,6 +4915,7 @@
           <a:p>
             <a:fld id="{8BA6683A-CE0B-4A88-9F79-2919B228CA36}" type="slidenum">
               <a:rPr lang="ru-RU" smtClean="0"/>
+              <a:pPr/>
               <a:t>3</a:t>
             </a:fld>
             <a:endParaRPr lang="ru-RU"/>
@@ -4549,6 +5063,7 @@
           <a:p>
             <a:fld id="{BD9F2821-1254-44BE-BDB9-08AB2912159E}" type="datetime1">
               <a:rPr lang="ru-RU" smtClean="0"/>
+              <a:pPr/>
               <a:t>25.04.2013</a:t>
             </a:fld>
             <a:endParaRPr lang="ru-RU"/>
@@ -4595,6 +5110,7 @@
           <a:p>
             <a:fld id="{8BA6683A-CE0B-4A88-9F79-2919B228CA36}" type="slidenum">
               <a:rPr lang="ru-RU" smtClean="0"/>
+              <a:pPr/>
               <a:t>4</a:t>
             </a:fld>
             <a:endParaRPr lang="ru-RU"/>
@@ -4729,6 +5245,7 @@
           <a:p>
             <a:fld id="{BD9F2821-1254-44BE-BDB9-08AB2912159E}" type="datetime1">
               <a:rPr lang="ru-RU" smtClean="0"/>
+              <a:pPr/>
               <a:t>25.04.2013</a:t>
             </a:fld>
             <a:endParaRPr lang="ru-RU"/>
@@ -4775,6 +5292,7 @@
           <a:p>
             <a:fld id="{8BA6683A-CE0B-4A88-9F79-2919B228CA36}" type="slidenum">
               <a:rPr lang="ru-RU" smtClean="0"/>
+              <a:pPr/>
               <a:t>5</a:t>
             </a:fld>
             <a:endParaRPr lang="ru-RU"/>
@@ -4856,6 +5374,7 @@
           <a:p>
             <a:fld id="{BD9F2821-1254-44BE-BDB9-08AB2912159E}" type="datetime1">
               <a:rPr lang="ru-RU" smtClean="0"/>
+              <a:pPr/>
               <a:t>25.04.2013</a:t>
             </a:fld>
             <a:endParaRPr lang="ru-RU"/>
@@ -4879,6 +5398,7 @@
           <a:p>
             <a:fld id="{8BA6683A-CE0B-4A88-9F79-2919B228CA36}" type="slidenum">
               <a:rPr lang="ru-RU" smtClean="0"/>
+              <a:pPr/>
               <a:t>6</a:t>
             </a:fld>
             <a:endParaRPr lang="ru-RU"/>
@@ -5101,6 +5621,7 @@
           <a:p>
             <a:fld id="{BD9F2821-1254-44BE-BDB9-08AB2912159E}" type="datetime1">
               <a:rPr lang="ru-RU" smtClean="0"/>
+              <a:pPr/>
               <a:t>25.04.2013</a:t>
             </a:fld>
             <a:endParaRPr lang="ru-RU"/>
@@ -5147,6 +5668,7 @@
           <a:p>
             <a:fld id="{8BA6683A-CE0B-4A88-9F79-2919B228CA36}" type="slidenum">
               <a:rPr lang="ru-RU" smtClean="0"/>
+              <a:pPr/>
               <a:t>7</a:t>
             </a:fld>
             <a:endParaRPr lang="ru-RU"/>
@@ -5180,11 +5702,7 @@
             </a:pPr>
             <a:r>
               <a:rPr lang="ru-RU" sz="3200" dirty="0" smtClean="0"/>
-              <a:t>Для каждой пары</a:t>
-            </a:r>
-            <a:r>
-              <a:rPr lang="ru-RU" sz="3200" dirty="0" smtClean="0"/>
-              <a:t> базовых </a:t>
+              <a:t>Для каждой пары базовых </a:t>
             </a:r>
             <a:r>
               <a:rPr lang="ru-RU" sz="3200" dirty="0" err="1" smtClean="0"/>
@@ -5291,6 +5809,7 @@
           <a:p>
             <a:fld id="{BD9F2821-1254-44BE-BDB9-08AB2912159E}" type="datetime1">
               <a:rPr lang="ru-RU" smtClean="0"/>
+              <a:pPr/>
               <a:t>25.04.2013</a:t>
             </a:fld>
             <a:endParaRPr lang="ru-RU"/>
@@ -5337,6 +5856,7 @@
           <a:p>
             <a:fld id="{8BA6683A-CE0B-4A88-9F79-2919B228CA36}" type="slidenum">
               <a:rPr lang="ru-RU" smtClean="0"/>
+              <a:pPr/>
               <a:t>8</a:t>
             </a:fld>
             <a:endParaRPr lang="ru-RU"/>
@@ -5665,6 +6185,7 @@
           <a:p>
             <a:fld id="{BD9F2821-1254-44BE-BDB9-08AB2912159E}" type="datetime1">
               <a:rPr lang="ru-RU" smtClean="0"/>
+              <a:pPr/>
               <a:t>25.04.2013</a:t>
             </a:fld>
             <a:endParaRPr lang="ru-RU"/>
@@ -5711,6 +6232,7 @@
           <a:p>
             <a:fld id="{8BA6683A-CE0B-4A88-9F79-2919B228CA36}" type="slidenum">
               <a:rPr lang="ru-RU" smtClean="0"/>
+              <a:pPr/>
               <a:t>9</a:t>
             </a:fld>
             <a:endParaRPr lang="ru-RU"/>
